--- a/client/art/appBackground.pptx
+++ b/client/art/appBackground.pptx
@@ -3108,8 +3108,8 @@
         </p:nvSpPr>
         <p:spPr>
           <a:xfrm>
-            <a:off x="6544" y="318"/>
-            <a:ext cx="4846320" cy="4846320"/>
+            <a:off x="0" y="-1687140"/>
+            <a:ext cx="4852864" cy="6533779"/>
           </a:xfrm>
           <a:prstGeom prst="roundRect">
             <a:avLst>
@@ -3119,13 +3119,13 @@
           <a:gradFill flip="none" rotWithShape="1">
             <a:gsLst>
               <a:gs pos="0">
-                <a:srgbClr val="F7F7F7"/>
+                <a:srgbClr val="C1C1C1"/>
               </a:gs>
               <a:gs pos="100000">
-                <a:srgbClr val="CDCDCD"/>
+                <a:srgbClr val="666666"/>
               </a:gs>
               <a:gs pos="20000">
-                <a:srgbClr val="F7F7F7"/>
+                <a:srgbClr val="C2C2C2"/>
               </a:gs>
             </a:gsLst>
             <a:path path="circle">
@@ -3158,20 +3158,13 @@
           <a:p>
             <a:pPr algn="ctr">
               <a:lnSpc>
-                <a:spcPct val="80000"/>
+                <a:spcPct val="120000"/>
               </a:lnSpc>
             </a:pPr>
             <a:endParaRPr lang="en-US" sz="4800" dirty="0" smtClean="0">
               <a:solidFill>
                 <a:srgbClr val="E0FF00"/>
               </a:solidFill>
-              <a:effectLst>
-                <a:innerShdw blurRad="63500" dist="50800" dir="13500000">
-                  <a:srgbClr val="9BBB59">
-                    <a:alpha val="50000"/>
-                  </a:srgbClr>
-                </a:innerShdw>
-              </a:effectLst>
               <a:latin typeface="Athelas Italic"/>
               <a:cs typeface="Athelas Italic"/>
             </a:endParaRPr>
@@ -3179,20 +3172,13 @@
           <a:p>
             <a:pPr algn="ctr">
               <a:lnSpc>
-                <a:spcPct val="80000"/>
+                <a:spcPct val="120000"/>
               </a:lnSpc>
             </a:pPr>
             <a:endParaRPr lang="en-US" sz="4800" dirty="0" smtClean="0">
               <a:solidFill>
                 <a:srgbClr val="E0FF00"/>
               </a:solidFill>
-              <a:effectLst>
-                <a:innerShdw blurRad="63500" dist="50800" dir="13500000">
-                  <a:srgbClr val="9BBB59">
-                    <a:alpha val="50000"/>
-                  </a:srgbClr>
-                </a:innerShdw>
-              </a:effectLst>
               <a:latin typeface="Athelas Italic"/>
               <a:cs typeface="Athelas Italic"/>
             </a:endParaRPr>
@@ -3200,7 +3186,21 @@
           <a:p>
             <a:pPr algn="ctr">
               <a:lnSpc>
-                <a:spcPct val="80000"/>
+                <a:spcPct val="120000"/>
+              </a:lnSpc>
+            </a:pPr>
+            <a:endParaRPr lang="en-US" sz="4800" dirty="0" smtClean="0">
+              <a:solidFill>
+                <a:srgbClr val="E0FF00"/>
+              </a:solidFill>
+              <a:latin typeface="Athelas Italic"/>
+              <a:cs typeface="Athelas Italic"/>
+            </a:endParaRPr>
+          </a:p>
+          <a:p>
+            <a:pPr algn="ctr">
+              <a:lnSpc>
+                <a:spcPct val="120000"/>
               </a:lnSpc>
             </a:pPr>
             <a:r>
@@ -3208,13 +3208,6 @@
                 <a:solidFill>
                   <a:srgbClr val="E0FF00"/>
                 </a:solidFill>
-                <a:effectLst>
-                  <a:innerShdw blurRad="63500" dist="50800" dir="13500000">
-                    <a:srgbClr val="9BBB59">
-                      <a:alpha val="50000"/>
-                    </a:srgbClr>
-                  </a:innerShdw>
-                </a:effectLst>
                 <a:latin typeface="Athelas Italic"/>
                 <a:cs typeface="Athelas Italic"/>
               </a:rPr>
@@ -3224,13 +3217,6 @@
               <a:solidFill>
                 <a:srgbClr val="E0FF00"/>
               </a:solidFill>
-              <a:effectLst>
-                <a:innerShdw blurRad="63500" dist="50800" dir="13500000">
-                  <a:srgbClr val="9BBB59">
-                    <a:alpha val="50000"/>
-                  </a:srgbClr>
-                </a:innerShdw>
-              </a:effectLst>
               <a:latin typeface="Athelas Italic"/>
               <a:cs typeface="Athelas Italic"/>
             </a:endParaRPr>
